--- a/JavaScript/Week12/Week12.pptx
+++ b/JavaScript/Week12/Week12.pptx
@@ -4001,7 +4001,7 @@
         </p:spPr>
         <p:txBody>
           <a:bodyPr>
-            <a:normAutofit lnSpcReduction="10000"/>
+            <a:normAutofit/>
           </a:bodyPr>
           <a:lstStyle/>
           <a:p>
@@ -4014,12 +4014,28 @@
             </a:r>
             <a:r>
               <a:rPr lang="en-US" dirty="0"/>
-              <a:t> I –D </a:t>
+              <a:t> install –save-dev </a:t>
             </a:r>
             <a:r>
               <a:rPr lang="en-US" dirty="0" err="1"/>
               <a:t>vitest</a:t>
             </a:r>
+            <a:r>
+              <a:rPr lang="en-US" dirty="0"/>
+              <a:t> @testing-library/react @testing-library/</a:t>
+            </a:r>
+            <a:r>
+              <a:rPr lang="en-US" dirty="0" err="1"/>
+              <a:t>jest-dom@latest</a:t>
+            </a:r>
+            <a:r>
+              <a:rPr lang="en-US" dirty="0"/>
+              <a:t> </a:t>
+            </a:r>
+            <a:r>
+              <a:rPr lang="en-US" dirty="0" err="1"/>
+              <a:t>jsdom</a:t>
+            </a:r>
             <a:endParaRPr lang="en-US" dirty="0"/>
           </a:p>
           <a:p>
@@ -4034,90 +4050,11 @@
             </a:pPr>
             <a:r>
               <a:rPr lang="en-US" dirty="0"/>
-              <a:t>In </a:t>
+              <a:t>Now in </a:t>
             </a:r>
             <a:r>
               <a:rPr lang="en-US" dirty="0" err="1"/>
-              <a:t>package.json</a:t>
-            </a:r>
-            <a:r>
-              <a:rPr lang="en-US" dirty="0"/>
-              <a:t>:</a:t>
-            </a:r>
-          </a:p>
-          <a:p>
-            <a:pPr marL="0" indent="0">
-              <a:buNone/>
-            </a:pPr>
-            <a:r>
-              <a:rPr lang="en-US" dirty="0"/>
-              <a:t>	“test”: “</a:t>
-            </a:r>
-            <a:r>
-              <a:rPr lang="en-US" dirty="0" err="1"/>
-              <a:t>vitest</a:t>
-            </a:r>
-            <a:r>
-              <a:rPr lang="en-US" dirty="0"/>
-              <a:t>”,</a:t>
-            </a:r>
-          </a:p>
-          <a:p>
-            <a:pPr marL="0" indent="0">
-              <a:buNone/>
-            </a:pPr>
-            <a:r>
-              <a:rPr lang="en-US" dirty="0"/>
-              <a:t>	“</a:t>
-            </a:r>
-            <a:r>
-              <a:rPr lang="en-US" dirty="0" err="1"/>
-              <a:t>test:ui</a:t>
-            </a:r>
-            <a:r>
-              <a:rPr lang="en-US" dirty="0"/>
-              <a:t>”:”</a:t>
-            </a:r>
-            <a:r>
-              <a:rPr lang="en-US" dirty="0" err="1"/>
-              <a:t>vitest</a:t>
-            </a:r>
-            <a:r>
-              <a:rPr lang="en-US" dirty="0"/>
-              <a:t>--</a:t>
-            </a:r>
-            <a:r>
-              <a:rPr lang="en-US" dirty="0" err="1"/>
-              <a:t>ui</a:t>
-            </a:r>
-            <a:r>
-              <a:rPr lang="en-US" dirty="0"/>
-              <a:t>”</a:t>
-            </a:r>
-          </a:p>
-          <a:p>
-            <a:pPr marL="0" indent="0">
-              <a:buNone/>
-            </a:pPr>
-            <a:r>
-              <a:rPr lang="en-US" dirty="0" err="1"/>
-              <a:t>npm</a:t>
-            </a:r>
-            <a:r>
-              <a:rPr lang="en-US" dirty="0"/>
-              <a:t> </a:t>
-            </a:r>
-            <a:r>
-              <a:rPr lang="en-US" dirty="0" err="1"/>
-              <a:t>i</a:t>
-            </a:r>
-            <a:r>
-              <a:rPr lang="en-US" dirty="0"/>
-              <a:t> –D @testing-library</a:t>
-            </a:r>
-            <a:r>
-              <a:rPr lang="en-US"/>
-              <a:t>/react</a:t>
+              <a:t>vite.config.js</a:t>
             </a:r>
             <a:endParaRPr lang="en-US" dirty="0"/>
           </a:p>
@@ -4132,44 +4069,43 @@
               <a:buNone/>
             </a:pPr>
             <a:r>
+              <a:rPr lang="en-US" dirty="0"/>
+              <a:t>Add: </a:t>
+            </a:r>
+          </a:p>
+          <a:p>
+            <a:pPr marL="0" indent="0">
+              <a:buNone/>
+            </a:pPr>
+            <a:r>
+              <a:rPr lang="en-US" dirty="0"/>
+              <a:t>test:{</a:t>
+            </a:r>
+          </a:p>
+          <a:p>
+            <a:pPr marL="0" indent="0">
+              <a:buNone/>
+            </a:pPr>
+            <a:r>
+              <a:rPr lang="en-US" dirty="0"/>
+              <a:t>e</a:t>
+            </a:r>
+            <a:r>
+              <a:rPr lang="en-US"/>
+              <a:t>nvironment</a:t>
+            </a:r>
+            <a:r>
+              <a:rPr lang="en-US" dirty="0"/>
+              <a:t>:”</a:t>
+            </a:r>
+            <a:r>
               <a:rPr lang="en-US" dirty="0" err="1"/>
-              <a:t>Npm</a:t>
-            </a:r>
-            <a:r>
-              <a:rPr lang="en-US" dirty="0"/>
-              <a:t> I –D </a:t>
-            </a:r>
-            <a:r>
-              <a:rPr lang="en-US" dirty="0">
-                <a:hlinkClick r:id="rId2"/>
-              </a:rPr>
-              <a:t>jsdom@24.0.0</a:t>
-            </a:r>
-            <a:endParaRPr lang="en-US" dirty="0"/>
-          </a:p>
-          <a:p>
-            <a:pPr marL="0" indent="0">
-              <a:buNone/>
-            </a:pPr>
-            <a:endParaRPr lang="en-US" dirty="0"/>
-          </a:p>
-          <a:p>
-            <a:pPr marL="0" indent="0">
-              <a:buNone/>
-            </a:pPr>
-            <a:r>
-              <a:rPr lang="en-US" dirty="0" err="1"/>
-              <a:t>Npm</a:t>
-            </a:r>
-            <a:r>
-              <a:rPr lang="en-US" dirty="0"/>
-              <a:t> I –D @testing-library/jest-</a:t>
-            </a:r>
-            <a:r>
-              <a:rPr lang="en-US" dirty="0" err="1"/>
-              <a:t>dom</a:t>
-            </a:r>
-            <a:endParaRPr lang="en-US" dirty="0"/>
+              <a:t>jsdom</a:t>
+            </a:r>
+            <a:r>
+              <a:rPr lang="en-US" dirty="0"/>
+              <a:t>”}</a:t>
+            </a:r>
           </a:p>
           <a:p>
             <a:pPr marL="0" indent="0">

--- a/JavaScript/Week12/Week12.pptx
+++ b/JavaScript/Week12/Week12.pptx
@@ -4088,15 +4088,7 @@
             </a:pPr>
             <a:r>
               <a:rPr lang="en-US" dirty="0"/>
-              <a:t>e</a:t>
-            </a:r>
-            <a:r>
-              <a:rPr lang="en-US"/>
-              <a:t>nvironment</a:t>
-            </a:r>
-            <a:r>
-              <a:rPr lang="en-US" dirty="0"/>
-              <a:t>:”</a:t>
+              <a:t>environment:”</a:t>
             </a:r>
             <a:r>
               <a:rPr lang="en-US" dirty="0" err="1"/>

--- a/JavaScript/Week12/Week12.pptx
+++ b/JavaScript/Week12/Week12.pptx
@@ -296,7 +296,7 @@
           <a:p>
             <a:fld id="{F28A4246-F2A7-4220-A405-8A96DAE08D6A}" type="datetimeFigureOut">
               <a:rPr lang="en-US" smtClean="0"/>
-              <a:t>3/19/25</a:t>
+              <a:t>3/24/25</a:t>
             </a:fld>
             <a:endParaRPr lang="en-US"/>
           </a:p>
@@ -464,7 +464,7 @@
           <a:p>
             <a:fld id="{F28A4246-F2A7-4220-A405-8A96DAE08D6A}" type="datetimeFigureOut">
               <a:rPr lang="en-US" smtClean="0"/>
-              <a:t>3/19/25</a:t>
+              <a:t>3/24/25</a:t>
             </a:fld>
             <a:endParaRPr lang="en-US"/>
           </a:p>
@@ -642,7 +642,7 @@
           <a:p>
             <a:fld id="{F28A4246-F2A7-4220-A405-8A96DAE08D6A}" type="datetimeFigureOut">
               <a:rPr lang="en-US" smtClean="0"/>
-              <a:t>3/19/25</a:t>
+              <a:t>3/24/25</a:t>
             </a:fld>
             <a:endParaRPr lang="en-US"/>
           </a:p>
@@ -810,7 +810,7 @@
           <a:p>
             <a:fld id="{F28A4246-F2A7-4220-A405-8A96DAE08D6A}" type="datetimeFigureOut">
               <a:rPr lang="en-US" smtClean="0"/>
-              <a:t>3/19/25</a:t>
+              <a:t>3/24/25</a:t>
             </a:fld>
             <a:endParaRPr lang="en-US"/>
           </a:p>
@@ -1055,7 +1055,7 @@
           <a:p>
             <a:fld id="{F28A4246-F2A7-4220-A405-8A96DAE08D6A}" type="datetimeFigureOut">
               <a:rPr lang="en-US" smtClean="0"/>
-              <a:t>3/19/25</a:t>
+              <a:t>3/24/25</a:t>
             </a:fld>
             <a:endParaRPr lang="en-US"/>
           </a:p>
@@ -1284,7 +1284,7 @@
           <a:p>
             <a:fld id="{F28A4246-F2A7-4220-A405-8A96DAE08D6A}" type="datetimeFigureOut">
               <a:rPr lang="en-US" smtClean="0"/>
-              <a:t>3/19/25</a:t>
+              <a:t>3/24/25</a:t>
             </a:fld>
             <a:endParaRPr lang="en-US"/>
           </a:p>
@@ -1648,7 +1648,7 @@
           <a:p>
             <a:fld id="{F28A4246-F2A7-4220-A405-8A96DAE08D6A}" type="datetimeFigureOut">
               <a:rPr lang="en-US" smtClean="0"/>
-              <a:t>3/19/25</a:t>
+              <a:t>3/24/25</a:t>
             </a:fld>
             <a:endParaRPr lang="en-US"/>
           </a:p>
@@ -1765,7 +1765,7 @@
           <a:p>
             <a:fld id="{F28A4246-F2A7-4220-A405-8A96DAE08D6A}" type="datetimeFigureOut">
               <a:rPr lang="en-US" smtClean="0"/>
-              <a:t>3/19/25</a:t>
+              <a:t>3/24/25</a:t>
             </a:fld>
             <a:endParaRPr lang="en-US"/>
           </a:p>
@@ -1860,7 +1860,7 @@
           <a:p>
             <a:fld id="{F28A4246-F2A7-4220-A405-8A96DAE08D6A}" type="datetimeFigureOut">
               <a:rPr lang="en-US" smtClean="0"/>
-              <a:t>3/19/25</a:t>
+              <a:t>3/24/25</a:t>
             </a:fld>
             <a:endParaRPr lang="en-US"/>
           </a:p>
@@ -2135,7 +2135,7 @@
           <a:p>
             <a:fld id="{F28A4246-F2A7-4220-A405-8A96DAE08D6A}" type="datetimeFigureOut">
               <a:rPr lang="en-US" smtClean="0"/>
-              <a:t>3/19/25</a:t>
+              <a:t>3/24/25</a:t>
             </a:fld>
             <a:endParaRPr lang="en-US"/>
           </a:p>
@@ -2390,7 +2390,7 @@
           <a:p>
             <a:fld id="{F28A4246-F2A7-4220-A405-8A96DAE08D6A}" type="datetimeFigureOut">
               <a:rPr lang="en-US" smtClean="0"/>
-              <a:t>3/19/25</a:t>
+              <a:t>3/24/25</a:t>
             </a:fld>
             <a:endParaRPr lang="en-US"/>
           </a:p>
@@ -2601,7 +2601,7 @@
           <a:p>
             <a:fld id="{F28A4246-F2A7-4220-A405-8A96DAE08D6A}" type="datetimeFigureOut">
               <a:rPr lang="en-US" smtClean="0"/>
-              <a:t>3/19/25</a:t>
+              <a:t>3/24/25</a:t>
             </a:fld>
             <a:endParaRPr lang="en-US"/>
           </a:p>
@@ -4755,27 +4755,8 @@
             </a:pPr>
             <a:r>
               <a:rPr lang="en-US" dirty="0"/>
-              <a:t>3. Files with .</a:t>
-            </a:r>
-            <a:r>
-              <a:rPr lang="en-US" dirty="0" err="1"/>
-              <a:t>js</a:t>
-            </a:r>
-            <a:r>
-              <a:rPr lang="en-US" dirty="0"/>
-              <a:t> or .</a:t>
-            </a:r>
-            <a:r>
-              <a:rPr lang="en-US" dirty="0" err="1"/>
-              <a:t>jsx</a:t>
-            </a:r>
-            <a:r>
-              <a:rPr lang="en-US" dirty="0"/>
-              <a:t> suffix in __tests__</a:t>
-            </a:r>
-          </a:p>
-          <a:p>
-            <a:endParaRPr lang="en-US" dirty="0"/>
+              <a:t>3.</a:t>
+            </a:r>
           </a:p>
         </p:txBody>
       </p:sp>
@@ -5463,7 +5444,19 @@
             </a:r>
             <a:r>
               <a:rPr lang="en-CA" dirty="0"/>
-              <a:t>, Text, </a:t>
+              <a:t>, </a:t>
+            </a:r>
+            <a:r>
+              <a:rPr lang="en-CA" dirty="0">
+                <a:solidFill>
+                  <a:srgbClr val="FFFF00"/>
+                </a:solidFill>
+              </a:rPr>
+              <a:t>Text</a:t>
+            </a:r>
+            <a:r>
+              <a:rPr lang="en-CA" dirty="0"/>
+              <a:t>, </a:t>
             </a:r>
             <a:r>
               <a:rPr lang="en-CA" dirty="0" err="1"/>
@@ -5571,7 +5564,9 @@
           </a:xfrm>
         </p:spPr>
         <p:txBody>
-          <a:bodyPr/>
+          <a:bodyPr>
+            <a:normAutofit lnSpcReduction="10000"/>
+          </a:bodyPr>
           <a:lstStyle/>
           <a:p>
             <a:r>
@@ -5605,7 +5600,24 @@
             </a:r>
           </a:p>
           <a:p>
-            <a:endParaRPr lang="en-CA" dirty="0"/>
+            <a:r>
+              <a:rPr lang="en-CA" dirty="0"/>
+              <a:t>&lt;nav&gt;&lt;header&gt;&lt;main&gt;..</a:t>
+            </a:r>
+          </a:p>
+          <a:p>
+            <a:r>
+              <a:rPr lang="en-CA" dirty="0"/>
+              <a:t>&lt;div role=“main”&gt;&lt;</a:t>
+            </a:r>
+            <a:r>
+              <a:rPr lang="en-CA"/>
+              <a:t>span &gt;&lt;</a:t>
+            </a:r>
+            <a:r>
+              <a:rPr lang="en-CA" dirty="0"/>
+              <a:t>p&gt;</a:t>
+            </a:r>
           </a:p>
         </p:txBody>
       </p:sp>

--- a/JavaScript/Week12/Week12.pptx
+++ b/JavaScript/Week12/Week12.pptx
@@ -57,10 +57,9 @@
     <p:sldId id="338" r:id="rId51"/>
     <p:sldId id="342" r:id="rId52"/>
     <p:sldId id="343" r:id="rId53"/>
-    <p:sldId id="344" r:id="rId54"/>
-    <p:sldId id="345" r:id="rId55"/>
-    <p:sldId id="346" r:id="rId56"/>
-    <p:sldId id="290" r:id="rId57"/>
+    <p:sldId id="345" r:id="rId54"/>
+    <p:sldId id="346" r:id="rId55"/>
+    <p:sldId id="350" r:id="rId56"/>
   </p:sldIdLst>
   <p:sldSz cx="12192000" cy="6858000"/>
   <p:notesSz cx="6858000" cy="9144000"/>
@@ -5608,15 +5607,7 @@
           <a:p>
             <a:r>
               <a:rPr lang="en-CA" dirty="0"/>
-              <a:t>&lt;div role=“main”&gt;&lt;</a:t>
-            </a:r>
-            <a:r>
-              <a:rPr lang="en-CA"/>
-              <a:t>span &gt;&lt;</a:t>
-            </a:r>
-            <a:r>
-              <a:rPr lang="en-CA" dirty="0"/>
-              <a:t>p&gt;</a:t>
+              <a:t>&lt;div role=“main”&gt;&lt;span &gt;&lt;p&gt;</a:t>
             </a:r>
           </a:p>
         </p:txBody>
@@ -6155,11 +6146,19 @@
               <a:t>Here comes the concept of </a:t>
             </a:r>
             <a:r>
-              <a:rPr lang="en-CA" b="1" dirty="0" err="1"/>
+              <a:rPr lang="en-CA" b="1" dirty="0" err="1">
+                <a:solidFill>
+                  <a:srgbClr val="FFFF00"/>
+                </a:solidFill>
+              </a:rPr>
               <a:t>getByRole</a:t>
             </a:r>
             <a:r>
-              <a:rPr lang="en-CA" b="1" dirty="0"/>
+              <a:rPr lang="en-CA" b="1" dirty="0">
+                <a:solidFill>
+                  <a:srgbClr val="FFFF00"/>
+                </a:solidFill>
+              </a:rPr>
               <a:t> Options:</a:t>
             </a:r>
           </a:p>
@@ -9444,15 +9443,7 @@
           <a:p>
             <a:r>
               <a:rPr lang="en-CA" dirty="0"/>
-              <a:t>Software has </a:t>
-            </a:r>
-            <a:r>
-              <a:rPr lang="en-CA"/>
-              <a:t>to respond </a:t>
-            </a:r>
-            <a:r>
-              <a:rPr lang="en-CA" dirty="0"/>
-              <a:t>to such interactions</a:t>
+              <a:t>Software has to respond to such interactions</a:t>
             </a:r>
           </a:p>
           <a:p>
@@ -9642,7 +9633,7 @@
           <p:cNvPr id="2" name="Title 1">
             <a:extLst>
               <a:ext uri="{FF2B5EF4-FFF2-40B4-BE49-F238E27FC236}">
-                <a16:creationId xmlns:a16="http://schemas.microsoft.com/office/drawing/2014/main" id="{3DE05E21-BBC5-FB1C-6E34-1F97878BB6D1}"/>
+                <a16:creationId xmlns:a16="http://schemas.microsoft.com/office/drawing/2014/main" id="{61159CB8-C6B3-64C0-7DEF-035269736219}"/>
               </a:ext>
             </a:extLst>
           </p:cNvPr>
@@ -9659,12 +9650,8 @@
           <a:lstStyle/>
           <a:p>
             <a:r>
-              <a:rPr lang="en-CA" dirty="0" err="1"/>
-              <a:t>fireEvent</a:t>
-            </a:r>
-            <a:r>
-              <a:rPr lang="en-CA" dirty="0"/>
-              <a:t> vs user-event</a:t>
+              <a:rPr lang="en-CA" dirty="0"/>
+              <a:t>Pointer Interactions</a:t>
             </a:r>
           </a:p>
         </p:txBody>
@@ -9674,7 +9661,7 @@
           <p:cNvPr id="3" name="Content Placeholder 2">
             <a:extLst>
               <a:ext uri="{FF2B5EF4-FFF2-40B4-BE49-F238E27FC236}">
-                <a16:creationId xmlns:a16="http://schemas.microsoft.com/office/drawing/2014/main" id="{1295ADAB-548E-76C0-2E87-17B723C945D0}"/>
+                <a16:creationId xmlns:a16="http://schemas.microsoft.com/office/drawing/2014/main" id="{78750A3E-1631-19EE-56D7-AA98A5129051}"/>
               </a:ext>
             </a:extLst>
           </p:cNvPr>
@@ -9685,92 +9672,22 @@
             <p:ph idx="1"/>
           </p:nvPr>
         </p:nvSpPr>
-        <p:spPr>
-          <a:xfrm>
-            <a:off x="720000" y="1179872"/>
-            <a:ext cx="10728325" cy="4589104"/>
-          </a:xfrm>
-        </p:spPr>
-        <p:txBody>
-          <a:bodyPr>
-            <a:normAutofit fontScale="77500" lnSpcReduction="20000"/>
-          </a:bodyPr>
-          <a:lstStyle/>
-          <a:p>
-            <a:r>
-              <a:rPr lang="en-CA" dirty="0" err="1"/>
-              <a:t>fireEvent</a:t>
-            </a:r>
-            <a:r>
-              <a:rPr lang="en-CA" dirty="0"/>
-              <a:t> is a method from RTL which is used to dispatch DOM events</a:t>
-            </a:r>
-          </a:p>
-          <a:p>
-            <a:endParaRPr lang="en-CA" dirty="0"/>
-          </a:p>
-          <a:p>
-            <a:r>
-              <a:rPr lang="en-CA" dirty="0"/>
-              <a:t>User-event simulates full interactions, which may fire multiple events and do additional checks along the way.</a:t>
-            </a:r>
-          </a:p>
-          <a:p>
-            <a:endParaRPr lang="en-CA" dirty="0"/>
-          </a:p>
-          <a:p>
-            <a:r>
-              <a:rPr lang="en-CA" dirty="0"/>
-              <a:t>For example, we can dispatch the change event on an input field using </a:t>
-            </a:r>
-            <a:r>
-              <a:rPr lang="en-CA" dirty="0" err="1"/>
-              <a:t>fireEvent</a:t>
-            </a:r>
-            <a:r>
-              <a:rPr lang="en-CA" dirty="0"/>
-              <a:t>.</a:t>
-            </a:r>
-          </a:p>
-          <a:p>
-            <a:r>
-              <a:rPr lang="en-CA" dirty="0"/>
-              <a:t>When a user types into a text box, the element must be focused, and the keyboard and input events are fired and the selection and value on the element are manipulated as they type.</a:t>
-            </a:r>
-          </a:p>
-          <a:p>
-            <a:r>
-              <a:rPr lang="en-CA" dirty="0"/>
-              <a:t>User-event allows to describe a user interaction instead of a concrete event. It adds visibility and intractability checks along the way and manipulates the DOM just like a user interaction in the browser would. It factors in that the browser e.g. wouldn’t let a user click a hidden element or a type in a disabled text box.</a:t>
-            </a:r>
-          </a:p>
-          <a:p>
-            <a:r>
-              <a:rPr lang="en-CA" dirty="0"/>
-              <a:t>Good news not any more: user-event is already there in </a:t>
-            </a:r>
-            <a:r>
-              <a:rPr lang="en-CA" dirty="0" err="1"/>
-              <a:t>Package.json</a:t>
-            </a:r>
-            <a:r>
-              <a:rPr lang="en-CA" dirty="0"/>
-              <a:t> </a:t>
-            </a:r>
-            <a:r>
-              <a:rPr lang="en-CA" dirty="0">
-                <a:sym typeface="Wingdings" panose="05000000000000000000" pitchFamily="2" charset="2"/>
-              </a:rPr>
-              <a:t></a:t>
-            </a:r>
-            <a:endParaRPr lang="en-CA" dirty="0"/>
+        <p:spPr/>
+        <p:txBody>
+          <a:bodyPr/>
+          <a:lstStyle/>
+          <a:p>
+            <a:r>
+              <a:rPr lang="en-CA" dirty="0"/>
+              <a:t>Let’s see pointer interactions in action!</a:t>
+            </a:r>
           </a:p>
         </p:txBody>
       </p:sp>
     </p:spTree>
     <p:extLst>
       <p:ext uri="{BB962C8B-B14F-4D97-AF65-F5344CB8AC3E}">
-        <p14:creationId xmlns:p14="http://schemas.microsoft.com/office/powerpoint/2010/main" val="611774306"/>
+        <p14:creationId xmlns:p14="http://schemas.microsoft.com/office/powerpoint/2010/main" val="4136470611"/>
       </p:ext>
     </p:extLst>
   </p:cSld>
@@ -9802,7 +9719,7 @@
           <p:cNvPr id="2" name="Title 1">
             <a:extLst>
               <a:ext uri="{FF2B5EF4-FFF2-40B4-BE49-F238E27FC236}">
-                <a16:creationId xmlns:a16="http://schemas.microsoft.com/office/drawing/2014/main" id="{61159CB8-C6B3-64C0-7DEF-035269736219}"/>
+                <a16:creationId xmlns:a16="http://schemas.microsoft.com/office/drawing/2014/main" id="{E7274ECE-40DF-D3D4-45C2-87A799F6D7CA}"/>
               </a:ext>
             </a:extLst>
           </p:cNvPr>
@@ -9830,7 +9747,7 @@
           <p:cNvPr id="3" name="Content Placeholder 2">
             <a:extLst>
               <a:ext uri="{FF2B5EF4-FFF2-40B4-BE49-F238E27FC236}">
-                <a16:creationId xmlns:a16="http://schemas.microsoft.com/office/drawing/2014/main" id="{78750A3E-1631-19EE-56D7-AA98A5129051}"/>
+                <a16:creationId xmlns:a16="http://schemas.microsoft.com/office/drawing/2014/main" id="{9401406D-B47A-4571-DEDC-F73BAB01887F}"/>
               </a:ext>
             </a:extLst>
           </p:cNvPr>
@@ -9848,7 +9765,49 @@
           <a:p>
             <a:r>
               <a:rPr lang="en-CA" dirty="0"/>
-              <a:t>Let’s see pointer interactions in action!</a:t>
+              <a:t>Convenience APIs</a:t>
+            </a:r>
+          </a:p>
+          <a:p>
+            <a:r>
+              <a:rPr lang="en-CA" dirty="0"/>
+              <a:t>click()</a:t>
+            </a:r>
+          </a:p>
+          <a:p>
+            <a:r>
+              <a:rPr lang="en-CA" dirty="0" err="1"/>
+              <a:t>dblClick</a:t>
+            </a:r>
+            <a:r>
+              <a:rPr lang="en-CA" dirty="0"/>
+              <a:t>()</a:t>
+            </a:r>
+          </a:p>
+          <a:p>
+            <a:r>
+              <a:rPr lang="en-CA" dirty="0" err="1"/>
+              <a:t>tripleClick</a:t>
+            </a:r>
+            <a:r>
+              <a:rPr lang="en-CA" dirty="0"/>
+              <a:t>()</a:t>
+            </a:r>
+          </a:p>
+          <a:p>
+            <a:r>
+              <a:rPr lang="en-CA" dirty="0"/>
+              <a:t>hover() </a:t>
+            </a:r>
+          </a:p>
+          <a:p>
+            <a:r>
+              <a:rPr lang="en-CA" dirty="0" err="1"/>
+              <a:t>unhover</a:t>
+            </a:r>
+            <a:r>
+              <a:rPr lang="en-CA" dirty="0"/>
+              <a:t>()</a:t>
             </a:r>
           </a:p>
         </p:txBody>
@@ -9856,7 +9815,7 @@
     </p:spTree>
     <p:extLst>
       <p:ext uri="{BB962C8B-B14F-4D97-AF65-F5344CB8AC3E}">
-        <p14:creationId xmlns:p14="http://schemas.microsoft.com/office/powerpoint/2010/main" val="4136470611"/>
+        <p14:creationId xmlns:p14="http://schemas.microsoft.com/office/powerpoint/2010/main" val="507732573"/>
       </p:ext>
     </p:extLst>
   </p:cSld>
@@ -9888,7 +9847,7 @@
           <p:cNvPr id="2" name="Title 1">
             <a:extLst>
               <a:ext uri="{FF2B5EF4-FFF2-40B4-BE49-F238E27FC236}">
-                <a16:creationId xmlns:a16="http://schemas.microsoft.com/office/drawing/2014/main" id="{E7274ECE-40DF-D3D4-45C2-87A799F6D7CA}"/>
+                <a16:creationId xmlns:a16="http://schemas.microsoft.com/office/drawing/2014/main" id="{5A327EF5-2145-7DDD-BD00-8E7B3E2AF692}"/>
               </a:ext>
             </a:extLst>
           </p:cNvPr>
@@ -9905,8 +9864,8 @@
           <a:lstStyle/>
           <a:p>
             <a:r>
-              <a:rPr lang="en-CA" dirty="0"/>
-              <a:t>Pointer Interactions</a:t>
+              <a:rPr lang="en-US" dirty="0"/>
+              <a:t>Keyboard Interactions</a:t>
             </a:r>
           </a:p>
         </p:txBody>
@@ -9916,7 +9875,7 @@
           <p:cNvPr id="3" name="Content Placeholder 2">
             <a:extLst>
               <a:ext uri="{FF2B5EF4-FFF2-40B4-BE49-F238E27FC236}">
-                <a16:creationId xmlns:a16="http://schemas.microsoft.com/office/drawing/2014/main" id="{9401406D-B47A-4571-DEDC-F73BAB01887F}"/>
+                <a16:creationId xmlns:a16="http://schemas.microsoft.com/office/drawing/2014/main" id="{68B6FB81-D599-069F-6F27-AB524FB9711C}"/>
               </a:ext>
             </a:extLst>
           </p:cNvPr>
@@ -9933,50 +9892,65 @@
           <a:lstStyle/>
           <a:p>
             <a:r>
-              <a:rPr lang="en-CA" dirty="0"/>
-              <a:t>Convenience APIs</a:t>
-            </a:r>
-          </a:p>
-          <a:p>
-            <a:r>
-              <a:rPr lang="en-CA" dirty="0"/>
-              <a:t>click()</a:t>
-            </a:r>
-          </a:p>
-          <a:p>
-            <a:r>
-              <a:rPr lang="en-CA" dirty="0" err="1"/>
-              <a:t>dblClick</a:t>
-            </a:r>
-            <a:r>
-              <a:rPr lang="en-CA" dirty="0"/>
+              <a:rPr lang="en-US" dirty="0" err="1"/>
+              <a:t>Spinbutton</a:t>
+            </a:r>
+            <a:r>
+              <a:rPr lang="en-US" dirty="0"/>
+              <a:t>! - &lt;input type</a:t>
+            </a:r>
+            <a:r>
+              <a:rPr lang="en-US"/>
+              <a:t>=“number”&gt;</a:t>
+            </a:r>
+            <a:endParaRPr lang="en-US" dirty="0"/>
+          </a:p>
+          <a:p>
+            <a:r>
+              <a:rPr lang="en-US" dirty="0"/>
+              <a:t>Tabbing </a:t>
+            </a:r>
+          </a:p>
+          <a:p>
+            <a:r>
+              <a:rPr lang="en-US" dirty="0"/>
+              <a:t>Utility API</a:t>
+            </a:r>
+          </a:p>
+          <a:p>
+            <a:pPr lvl="1"/>
+            <a:r>
+              <a:rPr lang="en-US" dirty="0"/>
+              <a:t>Clear()</a:t>
+            </a:r>
+          </a:p>
+          <a:p>
+            <a:pPr lvl="1"/>
+            <a:r>
+              <a:rPr lang="en-US" dirty="0" err="1"/>
+              <a:t>selectOptions</a:t>
+            </a:r>
+            <a:r>
+              <a:rPr lang="en-US" dirty="0"/>
               <a:t>()</a:t>
             </a:r>
           </a:p>
           <a:p>
-            <a:r>
-              <a:rPr lang="en-CA" dirty="0" err="1"/>
-              <a:t>tripleClick</a:t>
-            </a:r>
-            <a:r>
-              <a:rPr lang="en-CA" dirty="0"/>
+            <a:pPr lvl="1"/>
+            <a:r>
+              <a:rPr lang="en-US" dirty="0" err="1"/>
+              <a:t>deselectOptions</a:t>
+            </a:r>
+            <a:r>
+              <a:rPr lang="en-US" dirty="0"/>
               <a:t>()</a:t>
             </a:r>
           </a:p>
           <a:p>
-            <a:r>
-              <a:rPr lang="en-CA" dirty="0"/>
-              <a:t>hover() </a:t>
-            </a:r>
-          </a:p>
-          <a:p>
-            <a:r>
-              <a:rPr lang="en-CA" dirty="0" err="1"/>
-              <a:t>unhover</a:t>
-            </a:r>
-            <a:r>
-              <a:rPr lang="en-CA" dirty="0"/>
-              <a:t>()</a:t>
+            <a:pPr lvl="1"/>
+            <a:r>
+              <a:rPr lang="en-US" dirty="0"/>
+              <a:t>Upload()</a:t>
             </a:r>
           </a:p>
         </p:txBody>
@@ -9984,167 +9958,7 @@
     </p:spTree>
     <p:extLst>
       <p:ext uri="{BB962C8B-B14F-4D97-AF65-F5344CB8AC3E}">
-        <p14:creationId xmlns:p14="http://schemas.microsoft.com/office/powerpoint/2010/main" val="507732573"/>
-      </p:ext>
-    </p:extLst>
-  </p:cSld>
-  <p:clrMapOvr>
-    <a:masterClrMapping/>
-  </p:clrMapOvr>
-</p:sld>
-</file>
-
-<file path=ppt/slides/slide56.xml><?xml version="1.0" encoding="utf-8"?>
-<p:sld xmlns:a="http://schemas.openxmlformats.org/drawingml/2006/main" xmlns:r="http://schemas.openxmlformats.org/officeDocument/2006/relationships" xmlns:p="http://schemas.openxmlformats.org/presentationml/2006/main">
-  <p:cSld>
-    <p:spTree>
-      <p:nvGrpSpPr>
-        <p:cNvPr id="1" name=""/>
-        <p:cNvGrpSpPr/>
-        <p:nvPr/>
-      </p:nvGrpSpPr>
-      <p:grpSpPr>
-        <a:xfrm>
-          <a:off x="0" y="0"/>
-          <a:ext cx="0" cy="0"/>
-          <a:chOff x="0" y="0"/>
-          <a:chExt cx="0" cy="0"/>
-        </a:xfrm>
-      </p:grpSpPr>
-      <p:sp>
-        <p:nvSpPr>
-          <p:cNvPr id="2" name="Title 1">
-            <a:extLst>
-              <a:ext uri="{FF2B5EF4-FFF2-40B4-BE49-F238E27FC236}">
-                <a16:creationId xmlns:a16="http://schemas.microsoft.com/office/drawing/2014/main" id="{3DE05E21-BBC5-FB1C-6E34-1F97878BB6D1}"/>
-              </a:ext>
-            </a:extLst>
-          </p:cNvPr>
-          <p:cNvSpPr>
-            <a:spLocks noGrp="1"/>
-          </p:cNvSpPr>
-          <p:nvPr>
-            <p:ph type="title"/>
-          </p:nvPr>
-        </p:nvSpPr>
-        <p:spPr/>
-        <p:txBody>
-          <a:bodyPr/>
-          <a:lstStyle/>
-          <a:p>
-            <a:r>
-              <a:rPr lang="en-CA" dirty="0" err="1"/>
-              <a:t>fireEvent</a:t>
-            </a:r>
-            <a:r>
-              <a:rPr lang="en-CA" dirty="0"/>
-              <a:t> vs user-event</a:t>
-            </a:r>
-          </a:p>
-        </p:txBody>
-      </p:sp>
-      <p:sp>
-        <p:nvSpPr>
-          <p:cNvPr id="3" name="Content Placeholder 2">
-            <a:extLst>
-              <a:ext uri="{FF2B5EF4-FFF2-40B4-BE49-F238E27FC236}">
-                <a16:creationId xmlns:a16="http://schemas.microsoft.com/office/drawing/2014/main" id="{1295ADAB-548E-76C0-2E87-17B723C945D0}"/>
-              </a:ext>
-            </a:extLst>
-          </p:cNvPr>
-          <p:cNvSpPr>
-            <a:spLocks noGrp="1"/>
-          </p:cNvSpPr>
-          <p:nvPr>
-            <p:ph idx="1"/>
-          </p:nvPr>
-        </p:nvSpPr>
-        <p:spPr>
-          <a:xfrm>
-            <a:off x="720000" y="1179872"/>
-            <a:ext cx="10728325" cy="4589104"/>
-          </a:xfrm>
-        </p:spPr>
-        <p:txBody>
-          <a:bodyPr>
-            <a:normAutofit fontScale="77500" lnSpcReduction="20000"/>
-          </a:bodyPr>
-          <a:lstStyle/>
-          <a:p>
-            <a:r>
-              <a:rPr lang="en-CA" dirty="0" err="1"/>
-              <a:t>fireEvent</a:t>
-            </a:r>
-            <a:r>
-              <a:rPr lang="en-CA" dirty="0"/>
-              <a:t> is a method from RTL which is used to dispatch DOM events</a:t>
-            </a:r>
-          </a:p>
-          <a:p>
-            <a:endParaRPr lang="en-CA" dirty="0"/>
-          </a:p>
-          <a:p>
-            <a:r>
-              <a:rPr lang="en-CA" dirty="0"/>
-              <a:t>User-event simulates full interactions, which may fire multiple events and do additional checks along the way.</a:t>
-            </a:r>
-          </a:p>
-          <a:p>
-            <a:endParaRPr lang="en-CA" dirty="0"/>
-          </a:p>
-          <a:p>
-            <a:r>
-              <a:rPr lang="en-CA" dirty="0"/>
-              <a:t>For example, we can dispatch the change event on an input filed using </a:t>
-            </a:r>
-            <a:r>
-              <a:rPr lang="en-CA" dirty="0" err="1"/>
-              <a:t>fireEvent</a:t>
-            </a:r>
-            <a:r>
-              <a:rPr lang="en-CA" dirty="0"/>
-              <a:t>.</a:t>
-            </a:r>
-          </a:p>
-          <a:p>
-            <a:r>
-              <a:rPr lang="en-CA" dirty="0"/>
-              <a:t>When a user types into a text box, the element must be focused, and the keyboard and input events are fired and the selection and value on the element are manipulated as they type.</a:t>
-            </a:r>
-          </a:p>
-          <a:p>
-            <a:r>
-              <a:rPr lang="en-CA" dirty="0"/>
-              <a:t>User-event allows to describe a user interaction instead of a concrete event. It adds visibility and intractability checks along the way and manipulates the DOM just like a user interaction in the browser would. It factors in that the browser e.g. wouldn’t let a user click a hidden element or a type in a disabled text box.</a:t>
-            </a:r>
-          </a:p>
-          <a:p>
-            <a:r>
-              <a:rPr lang="en-CA" dirty="0"/>
-              <a:t>Good news: user-event is already there in </a:t>
-            </a:r>
-            <a:r>
-              <a:rPr lang="en-CA" dirty="0" err="1"/>
-              <a:t>Package.json</a:t>
-            </a:r>
-            <a:r>
-              <a:rPr lang="en-CA" dirty="0"/>
-              <a:t> </a:t>
-            </a:r>
-            <a:r>
-              <a:rPr lang="en-CA" dirty="0">
-                <a:sym typeface="Wingdings" panose="05000000000000000000" pitchFamily="2" charset="2"/>
-              </a:rPr>
-              <a:t></a:t>
-            </a:r>
-            <a:endParaRPr lang="en-CA" dirty="0"/>
-          </a:p>
-        </p:txBody>
-      </p:sp>
-    </p:spTree>
-    <p:extLst>
-      <p:ext uri="{BB962C8B-B14F-4D97-AF65-F5344CB8AC3E}">
-        <p14:creationId xmlns:p14="http://schemas.microsoft.com/office/powerpoint/2010/main" val="2611121637"/>
+        <p14:creationId xmlns:p14="http://schemas.microsoft.com/office/powerpoint/2010/main" val="3295280278"/>
       </p:ext>
     </p:extLst>
   </p:cSld>
